--- a/intership ppt.pptx
+++ b/intership ppt.pptx
@@ -124,10 +124,21 @@
   </p:defaultTextStyle>
   <p:extLst>
     <p:ext uri="{EFAFB233-063F-42B5-8137-9DF3F51BA10A}">
-      <p15:sldGuideLst xmlns="" xmlns:p15="http://schemas.microsoft.com/office/powerpoint/2012/main"/>
+      <p15:sldGuideLst xmlns:p15="http://schemas.microsoft.com/office/powerpoint/2012/main">
+        <p15:guide id="1" orient="horz" pos="2160">
+          <p15:clr>
+            <a:srgbClr val="A4A3A4"/>
+          </p15:clr>
+        </p15:guide>
+        <p15:guide id="2" pos="3840">
+          <p15:clr>
+            <a:srgbClr val="A4A3A4"/>
+          </p15:clr>
+        </p15:guide>
+      </p15:sldGuideLst>
     </p:ext>
     <p:ext uri="{2D200454-40CA-4A62-9FC3-DE9A4176ACB9}">
-      <p15:notesGuideLst xmlns="" xmlns:p15="http://schemas.microsoft.com/office/powerpoint/2012/main"/>
+      <p15:notesGuideLst xmlns:p15="http://schemas.microsoft.com/office/powerpoint/2012/main"/>
     </p:ext>
   </p:extLst>
 </p:presentation>
@@ -219,7 +230,7 @@
             <a:fld id="{A6E5FBE0-5C21-4E83-8069-52D09BCDD71E}" type="datetimeFigureOut">
               <a:rPr lang="en-IN" smtClean="0"/>
               <a:pPr/>
-              <a:t>19-10-2024</a:t>
+              <a:t>29-10-2024</a:t>
             </a:fld>
             <a:endParaRPr lang="en-IN"/>
           </a:p>
@@ -295,7 +306,7 @@
     </p:spTree>
     <p:extLst>
       <p:ext uri="{BB962C8B-B14F-4D97-AF65-F5344CB8AC3E}">
-        <p14:creationId xmlns="" xmlns:p14="http://schemas.microsoft.com/office/powerpoint/2010/main" val="3256529248"/>
+        <p14:creationId xmlns:p14="http://schemas.microsoft.com/office/powerpoint/2010/main" val="3256529248"/>
       </p:ext>
     </p:extLst>
   </p:cSld>
@@ -390,7 +401,7 @@
             <a:fld id="{D6846DD5-0A30-46AD-B2E1-F25508726044}" type="datetimeFigureOut">
               <a:rPr lang="en-IN" smtClean="0"/>
               <a:pPr/>
-              <a:t>19-10-2024</a:t>
+              <a:t>29-10-2024</a:t>
             </a:fld>
             <a:endParaRPr lang="en-IN"/>
           </a:p>
@@ -559,7 +570,7 @@
     </p:spTree>
     <p:extLst>
       <p:ext uri="{BB962C8B-B14F-4D97-AF65-F5344CB8AC3E}">
-        <p14:creationId xmlns="" xmlns:p14="http://schemas.microsoft.com/office/powerpoint/2010/main" val="1685959501"/>
+        <p14:creationId xmlns:p14="http://schemas.microsoft.com/office/powerpoint/2010/main" val="1685959501"/>
       </p:ext>
     </p:extLst>
   </p:cSld>
@@ -682,7 +693,7 @@
           <p:cNvPr id="5" name="Date Placeholder 3">
             <a:extLst>
               <a:ext uri="{FF2B5EF4-FFF2-40B4-BE49-F238E27FC236}">
-                <a16:creationId xmlns="" xmlns:a16="http://schemas.microsoft.com/office/drawing/2014/main" id="{959A3652-50D4-4FDF-8386-41D9AF369814}"/>
+                <a16:creationId xmlns:a16="http://schemas.microsoft.com/office/drawing/2014/main" id="{959A3652-50D4-4FDF-8386-41D9AF369814}"/>
               </a:ext>
             </a:extLst>
           </p:cNvPr>
@@ -819,7 +830,7 @@
           <p:cNvPr id="6" name="Date Placeholder 3">
             <a:extLst>
               <a:ext uri="{FF2B5EF4-FFF2-40B4-BE49-F238E27FC236}">
-                <a16:creationId xmlns="" xmlns:a16="http://schemas.microsoft.com/office/drawing/2014/main" id="{B31DCAD4-E344-44EC-AB07-C9E97F2AF1A1}"/>
+                <a16:creationId xmlns:a16="http://schemas.microsoft.com/office/drawing/2014/main" id="{B31DCAD4-E344-44EC-AB07-C9E97F2AF1A1}"/>
               </a:ext>
             </a:extLst>
           </p:cNvPr>
@@ -956,7 +967,7 @@
           <p:cNvPr id="7" name="Date Placeholder 3">
             <a:extLst>
               <a:ext uri="{FF2B5EF4-FFF2-40B4-BE49-F238E27FC236}">
-                <a16:creationId xmlns="" xmlns:a16="http://schemas.microsoft.com/office/drawing/2014/main" id="{2F22E408-EF1D-4BD0-98E0-8FC4C9B3A82C}"/>
+                <a16:creationId xmlns:a16="http://schemas.microsoft.com/office/drawing/2014/main" id="{2F22E408-EF1D-4BD0-98E0-8FC4C9B3A82C}"/>
               </a:ext>
             </a:extLst>
           </p:cNvPr>
@@ -1100,7 +1111,7 @@
           <p:cNvPr id="8" name="Date Placeholder 3">
             <a:extLst>
               <a:ext uri="{FF2B5EF4-FFF2-40B4-BE49-F238E27FC236}">
-                <a16:creationId xmlns="" xmlns:a16="http://schemas.microsoft.com/office/drawing/2014/main" id="{E7651D7E-4AFA-4EAA-B423-DDD0ED684DAE}"/>
+                <a16:creationId xmlns:a16="http://schemas.microsoft.com/office/drawing/2014/main" id="{E7651D7E-4AFA-4EAA-B423-DDD0ED684DAE}"/>
               </a:ext>
             </a:extLst>
           </p:cNvPr>
@@ -1238,7 +1249,7 @@
           <p:cNvPr id="9" name="Date Placeholder 3">
             <a:extLst>
               <a:ext uri="{FF2B5EF4-FFF2-40B4-BE49-F238E27FC236}">
-                <a16:creationId xmlns="" xmlns:a16="http://schemas.microsoft.com/office/drawing/2014/main" id="{C25449CC-CB33-491F-903E-B38334CA8A09}"/>
+                <a16:creationId xmlns:a16="http://schemas.microsoft.com/office/drawing/2014/main" id="{C25449CC-CB33-491F-903E-B38334CA8A09}"/>
               </a:ext>
             </a:extLst>
           </p:cNvPr>
@@ -1375,7 +1386,7 @@
     </p:spTree>
     <p:extLst>
       <p:ext uri="{BB962C8B-B14F-4D97-AF65-F5344CB8AC3E}">
-        <p14:creationId xmlns="" xmlns:p14="http://schemas.microsoft.com/office/powerpoint/2010/main" val="2709732032"/>
+        <p14:creationId xmlns:p14="http://schemas.microsoft.com/office/powerpoint/2010/main" val="2709732032"/>
       </p:ext>
     </p:extLst>
   </p:cSld>
@@ -1562,7 +1573,7 @@
           <p:cNvPr id="5" name="Date Placeholder 3">
             <a:extLst>
               <a:ext uri="{FF2B5EF4-FFF2-40B4-BE49-F238E27FC236}">
-                <a16:creationId xmlns="" xmlns:a16="http://schemas.microsoft.com/office/drawing/2014/main" id="{BB998037-E035-4CAB-833F-75CAE5A73D0B}"/>
+                <a16:creationId xmlns:a16="http://schemas.microsoft.com/office/drawing/2014/main" id="{BB998037-E035-4CAB-833F-75CAE5A73D0B}"/>
               </a:ext>
             </a:extLst>
           </p:cNvPr>
@@ -1709,7 +1720,7 @@
           <p:cNvPr id="7" name="Date Placeholder 3">
             <a:extLst>
               <a:ext uri="{FF2B5EF4-FFF2-40B4-BE49-F238E27FC236}">
-                <a16:creationId xmlns="" xmlns:a16="http://schemas.microsoft.com/office/drawing/2014/main" id="{BC5DB233-EECA-4CB3-99D6-5066ABF08F18}"/>
+                <a16:creationId xmlns:a16="http://schemas.microsoft.com/office/drawing/2014/main" id="{BC5DB233-EECA-4CB3-99D6-5066ABF08F18}"/>
               </a:ext>
             </a:extLst>
           </p:cNvPr>
@@ -1856,7 +1867,7 @@
           <p:cNvPr id="8" name="Date Placeholder 3">
             <a:extLst>
               <a:ext uri="{FF2B5EF4-FFF2-40B4-BE49-F238E27FC236}">
-                <a16:creationId xmlns="" xmlns:a16="http://schemas.microsoft.com/office/drawing/2014/main" id="{CB262772-2230-41D2-9B79-2AECA3A31396}"/>
+                <a16:creationId xmlns:a16="http://schemas.microsoft.com/office/drawing/2014/main" id="{CB262772-2230-41D2-9B79-2AECA3A31396}"/>
               </a:ext>
             </a:extLst>
           </p:cNvPr>
@@ -2018,7 +2029,7 @@
           <p:cNvPr id="9" name="Date Placeholder 3">
             <a:extLst>
               <a:ext uri="{FF2B5EF4-FFF2-40B4-BE49-F238E27FC236}">
-                <a16:creationId xmlns="" xmlns:a16="http://schemas.microsoft.com/office/drawing/2014/main" id="{1B44364A-DBDE-4F64-9D13-B56BF0C232A3}"/>
+                <a16:creationId xmlns:a16="http://schemas.microsoft.com/office/drawing/2014/main" id="{1B44364A-DBDE-4F64-9D13-B56BF0C232A3}"/>
               </a:ext>
             </a:extLst>
           </p:cNvPr>
@@ -2141,7 +2152,7 @@
           <a:p>
             <a:pPr algn="ctr"/>
             <a:r>
-              <a:rPr lang="en-US" sz="1500" b="1" i="1" dirty="0" smtClean="0">
+              <a:rPr lang="en-US" sz="1500" b="1" i="1" dirty="0">
                 <a:solidFill>
                   <a:schemeClr val="bg1"/>
                 </a:solidFill>
@@ -2152,7 +2163,7 @@
               <a:t>PROCESS</a:t>
             </a:r>
             <a:r>
-              <a:rPr lang="en-US" sz="1500" b="1" i="1" baseline="0" dirty="0" smtClean="0">
+              <a:rPr lang="en-US" sz="1500" b="1" i="1" baseline="0" dirty="0">
                 <a:solidFill>
                   <a:schemeClr val="bg1"/>
                 </a:solidFill>
@@ -2178,7 +2189,7 @@
           <p:cNvPr id="6" name="Picture 5">
             <a:extLst>
               <a:ext uri="{FF2B5EF4-FFF2-40B4-BE49-F238E27FC236}">
-                <a16:creationId xmlns="" xmlns:a16="http://schemas.microsoft.com/office/drawing/2014/main" id="{A72D5020-7DF7-495B-96CC-4064365630D3}"/>
+                <a16:creationId xmlns:a16="http://schemas.microsoft.com/office/drawing/2014/main" id="{A72D5020-7DF7-495B-96CC-4064365630D3}"/>
               </a:ext>
             </a:extLst>
           </p:cNvPr>
@@ -2191,7 +2202,7 @@
           <a:blip r:embed="rId2" cstate="print">
             <a:extLst>
               <a:ext uri="{28A0092B-C50C-407E-A947-70E740481C1C}">
-                <a14:useLocalDpi xmlns="" xmlns:a14="http://schemas.microsoft.com/office/drawing/2010/main" val="0"/>
+                <a14:useLocalDpi xmlns:a14="http://schemas.microsoft.com/office/drawing/2010/main" val="0"/>
               </a:ext>
             </a:extLst>
           </a:blip>
@@ -2214,7 +2225,7 @@
           <p:cNvPr id="10" name="Date Placeholder 3">
             <a:extLst>
               <a:ext uri="{FF2B5EF4-FFF2-40B4-BE49-F238E27FC236}">
-                <a16:creationId xmlns="" xmlns:a16="http://schemas.microsoft.com/office/drawing/2014/main" id="{1D25D96C-1396-47B4-9E8C-C053C7555307}"/>
+                <a16:creationId xmlns:a16="http://schemas.microsoft.com/office/drawing/2014/main" id="{1D25D96C-1396-47B4-9E8C-C053C7555307}"/>
               </a:ext>
             </a:extLst>
           </p:cNvPr>
@@ -2346,17 +2357,7 @@
                 <a:latin typeface="Times New Roman" panose="02020603050405020304" pitchFamily="18" charset="0"/>
                 <a:cs typeface="Times New Roman" panose="02020603050405020304" pitchFamily="18" charset="0"/>
               </a:rPr>
-              <a:t> </a:t>
-            </a:r>
-            <a:r>
-              <a:rPr lang="en-US" sz="1600" b="0" cap="small" baseline="0" dirty="0" smtClean="0">
-                <a:solidFill>
-                  <a:schemeClr val="bg1"/>
-                </a:solidFill>
-                <a:latin typeface="Times New Roman" panose="02020603050405020304" pitchFamily="18" charset="0"/>
-                <a:cs typeface="Times New Roman" panose="02020603050405020304" pitchFamily="18" charset="0"/>
-              </a:rPr>
-              <a:t>214G1A3263</a:t>
+              <a:t> 224G1A3263</a:t>
             </a:r>
             <a:endParaRPr lang="en-IN" sz="1600" b="0" cap="small" baseline="0" dirty="0">
               <a:solidFill>
@@ -2371,7 +2372,7 @@
     </p:spTree>
     <p:extLst>
       <p:ext uri="{BB962C8B-B14F-4D97-AF65-F5344CB8AC3E}">
-        <p14:creationId xmlns="" xmlns:p14="http://schemas.microsoft.com/office/powerpoint/2010/main" val="1585597830"/>
+        <p14:creationId xmlns:p14="http://schemas.microsoft.com/office/powerpoint/2010/main" val="1585597830"/>
       </p:ext>
     </p:extLst>
   </p:cSld>
@@ -2471,7 +2472,7 @@
     </p:spTree>
     <p:extLst>
       <p:ext uri="{BB962C8B-B14F-4D97-AF65-F5344CB8AC3E}">
-        <p14:creationId xmlns="" xmlns:p14="http://schemas.microsoft.com/office/powerpoint/2010/main" val="114516546"/>
+        <p14:creationId xmlns:p14="http://schemas.microsoft.com/office/powerpoint/2010/main" val="114516546"/>
       </p:ext>
     </p:extLst>
   </p:cSld>
@@ -2762,7 +2763,7 @@
   </p:txStyles>
   <p:extLst>
     <p:ext uri="{27BBF7A9-308A-43DC-89C8-2F10F3537804}">
-      <p15:sldGuideLst xmlns="" xmlns:p15="http://schemas.microsoft.com/office/powerpoint/2012/main">
+      <p15:sldGuideLst xmlns:p15="http://schemas.microsoft.com/office/powerpoint/2012/main">
         <p15:guide id="1" orient="horz" pos="2160" userDrawn="1">
           <p15:clr>
             <a:srgbClr val="F26B43"/>
@@ -2988,7 +2989,7 @@
               </a:spcBef>
             </a:pPr>
             <a:r>
-              <a:rPr lang="en-US" sz="2600" b="0" dirty="0" smtClean="0">
+              <a:rPr lang="en-US" sz="2600" b="0" dirty="0">
                 <a:effectLst>
                   <a:outerShdw blurRad="38100" dist="38100" dir="2700000" algn="tl">
                     <a:srgbClr val="000000">
@@ -2999,15 +3000,6 @@
               </a:rPr>
               <a:t>AMADASANI NARENDRA BABU</a:t>
             </a:r>
-            <a:endParaRPr lang="en-US" sz="2600" b="0" dirty="0">
-              <a:effectLst>
-                <a:outerShdw blurRad="38100" dist="38100" dir="2700000" algn="tl">
-                  <a:srgbClr val="000000">
-                    <a:alpha val="43137"/>
-                  </a:srgbClr>
-                </a:outerShdw>
-              </a:effectLst>
-            </a:endParaRPr>
           </a:p>
           <a:p>
             <a:pPr>
@@ -3017,13 +3009,8 @@
             </a:pPr>
             <a:r>
               <a:rPr lang="en-US" sz="1200" b="0" dirty="0"/>
-              <a:t>Roll No. </a:t>
-            </a:r>
-            <a:r>
-              <a:rPr lang="en-US" sz="1200" b="0" dirty="0" smtClean="0"/>
-              <a:t>224g1a3263</a:t>
-            </a:r>
-            <a:endParaRPr lang="en-US" sz="1200" b="0" dirty="0"/>
+              <a:t>Roll No. 224g1a3263</a:t>
+            </a:r>
           </a:p>
         </p:txBody>
       </p:sp>
@@ -3313,7 +3300,7 @@
                   </a:schemeClr>
                 </a:solidFill>
               </a:rPr>
-              <a:t>2023 - 2024</a:t>
+              <a:t>2024 - 2025</a:t>
             </a:r>
             <a:endParaRPr lang="en-US" sz="2500" b="0" dirty="0"/>
           </a:p>
@@ -3327,7 +3314,7 @@
           <p:cNvPr id="17" name="Rectangle: Rounded Corners 16">
             <a:extLst>
               <a:ext uri="{FF2B5EF4-FFF2-40B4-BE49-F238E27FC236}">
-                <a16:creationId xmlns="" xmlns:a16="http://schemas.microsoft.com/office/drawing/2014/main" id="{F2213882-6464-4A96-96D5-EA4F95F404DE}"/>
+                <a16:creationId xmlns:a16="http://schemas.microsoft.com/office/drawing/2014/main" id="{F2213882-6464-4A96-96D5-EA4F95F404DE}"/>
               </a:ext>
             </a:extLst>
           </p:cNvPr>
@@ -3377,7 +3364,7 @@
                 <a:latin typeface="Times New Roman" panose="02020603050405020304" pitchFamily="18" charset="0"/>
                 <a:cs typeface="Times New Roman" panose="02020603050405020304" pitchFamily="18" charset="0"/>
               </a:rPr>
-              <a:t>Title of the Internship</a:t>
+              <a:t>	PROCESS MINING VIRTUAL INTERSHIP</a:t>
             </a:r>
             <a:endParaRPr lang="en-IN" sz="3200" dirty="0">
               <a:effectLst>
@@ -3398,7 +3385,7 @@
           <p:cNvPr id="18" name="Rectangle 17">
             <a:extLst>
               <a:ext uri="{FF2B5EF4-FFF2-40B4-BE49-F238E27FC236}">
-                <a16:creationId xmlns="" xmlns:a16="http://schemas.microsoft.com/office/drawing/2014/main" id="{6C50F0CE-B0FB-48DA-AD7D-E96A1D3BC2A8}"/>
+                <a16:creationId xmlns:a16="http://schemas.microsoft.com/office/drawing/2014/main" id="{6C50F0CE-B0FB-48DA-AD7D-E96A1D3BC2A8}"/>
               </a:ext>
             </a:extLst>
           </p:cNvPr>
@@ -3449,7 +3436,7 @@
           <p:cNvPr id="5" name="Picture 4">
             <a:extLst>
               <a:ext uri="{FF2B5EF4-FFF2-40B4-BE49-F238E27FC236}">
-                <a16:creationId xmlns="" xmlns:a16="http://schemas.microsoft.com/office/drawing/2014/main" id="{894CA60F-9532-4FDC-90D1-528E33CD324E}"/>
+                <a16:creationId xmlns:a16="http://schemas.microsoft.com/office/drawing/2014/main" id="{894CA60F-9532-4FDC-90D1-528E33CD324E}"/>
               </a:ext>
             </a:extLst>
           </p:cNvPr>
@@ -3462,7 +3449,7 @@
           <a:blip r:embed="rId2">
             <a:extLst>
               <a:ext uri="{28A0092B-C50C-407E-A947-70E740481C1C}">
-                <a14:useLocalDpi xmlns="" xmlns:a14="http://schemas.microsoft.com/office/drawing/2010/main" val="0"/>
+                <a14:useLocalDpi xmlns:a14="http://schemas.microsoft.com/office/drawing/2010/main" val="0"/>
               </a:ext>
             </a:extLst>
           </a:blip>
@@ -3483,7 +3470,7 @@
     </p:spTree>
     <p:extLst>
       <p:ext uri="{BB962C8B-B14F-4D97-AF65-F5344CB8AC3E}">
-        <p14:creationId xmlns="" xmlns:p14="http://schemas.microsoft.com/office/powerpoint/2010/main" val="3655500541"/>
+        <p14:creationId xmlns:p14="http://schemas.microsoft.com/office/powerpoint/2010/main" val="3655500541"/>
       </p:ext>
     </p:extLst>
   </p:cSld>
@@ -3526,7 +3513,7 @@
           <a:lstStyle/>
           <a:p>
             <a:r>
-              <a:rPr lang="en-IN" dirty="0" smtClean="0"/>
+              <a:rPr lang="en-IN" dirty="0"/>
               <a:t>Learning Outcomes</a:t>
             </a:r>
             <a:endParaRPr lang="en-US" dirty="0"/>
@@ -3555,7 +3542,7 @@
               <a:buChar char="ü"/>
             </a:pPr>
             <a:r>
-              <a:rPr lang="en-US" sz="2000" dirty="0" smtClean="0"/>
+              <a:rPr lang="en-US" sz="2000" dirty="0"/>
               <a:t>Understand the core concepts of process mining and how to implement it using Celonis.</a:t>
             </a:r>
           </a:p>
@@ -3565,7 +3552,7 @@
               <a:buChar char="ü"/>
             </a:pPr>
             <a:r>
-              <a:rPr lang="en-US" sz="2000" dirty="0" smtClean="0"/>
+              <a:rPr lang="en-US" sz="2000" dirty="0"/>
               <a:t>Gain hands-on experience in extracting, preparing, and analyzing data for process improvement.</a:t>
             </a:r>
           </a:p>
@@ -3575,7 +3562,7 @@
               <a:buChar char="ü"/>
             </a:pPr>
             <a:r>
-              <a:rPr lang="en-US" sz="2000" dirty="0" smtClean="0"/>
+              <a:rPr lang="en-US" sz="2000" dirty="0"/>
               <a:t>Develop skills in identifying process inefficiencies and implementing AI-driven optimizations.</a:t>
             </a:r>
           </a:p>
@@ -3585,7 +3572,7 @@
               <a:buChar char="ü"/>
             </a:pPr>
             <a:r>
-              <a:rPr lang="en-US" sz="2000" dirty="0" smtClean="0"/>
+              <a:rPr lang="en-US" sz="2000" dirty="0"/>
               <a:t>Learn how to apply process mining to real-world scenarios and drive business outcomes.</a:t>
             </a:r>
           </a:p>
@@ -3595,7 +3582,7 @@
               <a:buChar char="ü"/>
             </a:pPr>
             <a:r>
-              <a:rPr lang="en-US" sz="2000" dirty="0" smtClean="0"/>
+              <a:rPr lang="en-US" sz="2000" dirty="0"/>
               <a:t>Gain a solid understanding of process mining principles and how they apply to real-world scenarios.</a:t>
             </a:r>
           </a:p>
@@ -3605,7 +3592,7 @@
               <a:buChar char="ü"/>
             </a:pPr>
             <a:r>
-              <a:rPr lang="en-US" sz="2000" dirty="0" smtClean="0"/>
+              <a:rPr lang="en-US" sz="2000" dirty="0"/>
               <a:t>Be able to interpret process mining models and derive actionable insights.</a:t>
             </a:r>
           </a:p>
@@ -3615,7 +3602,7 @@
               <a:buChar char="ü"/>
             </a:pPr>
             <a:r>
-              <a:rPr lang="en-US" sz="2000" dirty="0" smtClean="0"/>
+              <a:rPr lang="en-US" sz="2000" dirty="0"/>
               <a:t>Develop the ability to use Celonis to identify inefficiencies and opportunities for improvement in business processes.</a:t>
             </a:r>
           </a:p>
@@ -3625,7 +3612,7 @@
               <a:buChar char="ü"/>
             </a:pPr>
             <a:r>
-              <a:rPr lang="en-US" sz="2000" dirty="0" smtClean="0"/>
+              <a:rPr lang="en-US" sz="2000" dirty="0"/>
               <a:t>Learn how to apply automation and AI to optimize processes.</a:t>
             </a:r>
           </a:p>
@@ -3635,7 +3622,7 @@
               <a:buChar char="ü"/>
             </a:pPr>
             <a:r>
-              <a:rPr lang="en-US" sz="2000" dirty="0" smtClean="0"/>
+              <a:rPr lang="en-US" sz="2000" dirty="0"/>
               <a:t>Enhance their analytical and problem-solving skills with hands-on experience using Celonis tools.</a:t>
             </a:r>
           </a:p>
@@ -3647,7 +3634,7 @@
     </p:spTree>
     <p:extLst>
       <p:ext uri="{BB962C8B-B14F-4D97-AF65-F5344CB8AC3E}">
-        <p14:creationId xmlns="" xmlns:p14="http://schemas.microsoft.com/office/powerpoint/2010/main" val="1751120584"/>
+        <p14:creationId xmlns:p14="http://schemas.microsoft.com/office/powerpoint/2010/main" val="1751120584"/>
       </p:ext>
     </p:extLst>
   </p:cSld>
@@ -3679,7 +3666,7 @@
           <p:cNvPr id="2" name="Title 1">
             <a:extLst>
               <a:ext uri="{FF2B5EF4-FFF2-40B4-BE49-F238E27FC236}">
-                <a16:creationId xmlns="" xmlns:a16="http://schemas.microsoft.com/office/drawing/2014/main" id="{1703C8ED-E8F7-40CD-8D41-BF01C7A7853D}"/>
+                <a16:creationId xmlns:a16="http://schemas.microsoft.com/office/drawing/2014/main" id="{1703C8ED-E8F7-40CD-8D41-BF01C7A7853D}"/>
               </a:ext>
             </a:extLst>
           </p:cNvPr>
@@ -3708,10 +3695,36 @@
           </a:p>
         </p:txBody>
       </p:sp>
+      <p:pic>
+        <p:nvPicPr>
+          <p:cNvPr id="4100" name="Picture 4" descr="C:\Users\hp\AppData\Local\Packages\Microsoft.Windows.Photos_8wekyb3d8bbwe\TempState\ShareServiceTempFolder\Screenshot (6).jpeg"/>
+          <p:cNvPicPr>
+            <a:picLocks noChangeAspect="1" noChangeArrowheads="1"/>
+          </p:cNvPicPr>
+          <p:nvPr/>
+        </p:nvPicPr>
+        <p:blipFill>
+          <a:blip r:embed="rId2"/>
+          <a:srcRect/>
+          <a:stretch>
+            <a:fillRect/>
+          </a:stretch>
+        </p:blipFill>
+        <p:spPr bwMode="auto">
+          <a:xfrm>
+            <a:off x="1" y="879894"/>
+            <a:ext cx="12192000" cy="5753819"/>
+          </a:xfrm>
+          <a:prstGeom prst="rect">
+            <a:avLst/>
+          </a:prstGeom>
+          <a:noFill/>
+        </p:spPr>
+      </p:pic>
     </p:spTree>
     <p:extLst>
       <p:ext uri="{BB962C8B-B14F-4D97-AF65-F5344CB8AC3E}">
-        <p14:creationId xmlns="" xmlns:p14="http://schemas.microsoft.com/office/powerpoint/2010/main" val="3279406396"/>
+        <p14:creationId xmlns:p14="http://schemas.microsoft.com/office/powerpoint/2010/main" val="3279406396"/>
       </p:ext>
     </p:extLst>
   </p:cSld>
@@ -3808,7 +3821,7 @@
     </p:spTree>
     <p:extLst>
       <p:ext uri="{BB962C8B-B14F-4D97-AF65-F5344CB8AC3E}">
-        <p14:creationId xmlns="" xmlns:p14="http://schemas.microsoft.com/office/powerpoint/2010/main" val="53513055"/>
+        <p14:creationId xmlns:p14="http://schemas.microsoft.com/office/powerpoint/2010/main" val="53513055"/>
       </p:ext>
     </p:extLst>
   </p:cSld>
@@ -3905,7 +3918,7 @@
     </p:spTree>
     <p:extLst>
       <p:ext uri="{BB962C8B-B14F-4D97-AF65-F5344CB8AC3E}">
-        <p14:creationId xmlns="" xmlns:p14="http://schemas.microsoft.com/office/powerpoint/2010/main" val="62496503"/>
+        <p14:creationId xmlns:p14="http://schemas.microsoft.com/office/powerpoint/2010/main" val="62496503"/>
       </p:ext>
     </p:extLst>
   </p:cSld>
@@ -3937,7 +3950,7 @@
           <p:cNvPr id="2" name="Title 1">
             <a:extLst>
               <a:ext uri="{FF2B5EF4-FFF2-40B4-BE49-F238E27FC236}">
-                <a16:creationId xmlns="" xmlns:a16="http://schemas.microsoft.com/office/drawing/2014/main" id="{BDC92D7B-CF16-46D8-8243-8661747A4014}"/>
+                <a16:creationId xmlns:a16="http://schemas.microsoft.com/office/drawing/2014/main" id="{BDC92D7B-CF16-46D8-8243-8661747A4014}"/>
               </a:ext>
             </a:extLst>
           </p:cNvPr>
@@ -3966,7 +3979,7 @@
           <p:cNvPr id="3" name="Content Placeholder 2">
             <a:extLst>
               <a:ext uri="{FF2B5EF4-FFF2-40B4-BE49-F238E27FC236}">
-                <a16:creationId xmlns="" xmlns:a16="http://schemas.microsoft.com/office/drawing/2014/main" id="{0B9CA917-AD8E-4861-804D-4A5A6A205591}"/>
+                <a16:creationId xmlns:a16="http://schemas.microsoft.com/office/drawing/2014/main" id="{0B9CA917-AD8E-4861-804D-4A5A6A205591}"/>
               </a:ext>
             </a:extLst>
           </p:cNvPr>
@@ -3998,7 +4011,7 @@
                 <a:blip r:embed="rId2">
                   <a:extLst>
                     <a:ext uri="{96DAC541-7B7A-43D3-8B79-37D633B846F1}">
-                      <asvg:svgBlip xmlns="" xmlns:asvg="http://schemas.microsoft.com/office/drawing/2016/SVG/main" r:embed="rId3"/>
+                      <asvg:svgBlip xmlns:asvg="http://schemas.microsoft.com/office/drawing/2016/SVG/main" r:embed="rId3"/>
                     </a:ext>
                   </a:extLst>
                 </a:blip>
@@ -4024,7 +4037,7 @@
                 <a:blip r:embed="rId2">
                   <a:extLst>
                     <a:ext uri="{96DAC541-7B7A-43D3-8B79-37D633B846F1}">
-                      <asvg:svgBlip xmlns="" xmlns:asvg="http://schemas.microsoft.com/office/drawing/2016/SVG/main" r:embed="rId3"/>
+                      <asvg:svgBlip xmlns:asvg="http://schemas.microsoft.com/office/drawing/2016/SVG/main" r:embed="rId3"/>
                     </a:ext>
                   </a:extLst>
                 </a:blip>
@@ -4050,7 +4063,7 @@
                 <a:blip r:embed="rId2">
                   <a:extLst>
                     <a:ext uri="{96DAC541-7B7A-43D3-8B79-37D633B846F1}">
-                      <asvg:svgBlip xmlns="" xmlns:asvg="http://schemas.microsoft.com/office/drawing/2016/SVG/main" r:embed="rId3"/>
+                      <asvg:svgBlip xmlns:asvg="http://schemas.microsoft.com/office/drawing/2016/SVG/main" r:embed="rId3"/>
                     </a:ext>
                   </a:extLst>
                 </a:blip>
@@ -4076,7 +4089,7 @@
                 <a:blip r:embed="rId2">
                   <a:extLst>
                     <a:ext uri="{96DAC541-7B7A-43D3-8B79-37D633B846F1}">
-                      <asvg:svgBlip xmlns="" xmlns:asvg="http://schemas.microsoft.com/office/drawing/2016/SVG/main" r:embed="rId3"/>
+                      <asvg:svgBlip xmlns:asvg="http://schemas.microsoft.com/office/drawing/2016/SVG/main" r:embed="rId3"/>
                     </a:ext>
                   </a:extLst>
                 </a:blip>
@@ -4102,7 +4115,7 @@
                 <a:blip r:embed="rId2">
                   <a:extLst>
                     <a:ext uri="{96DAC541-7B7A-43D3-8B79-37D633B846F1}">
-                      <asvg:svgBlip xmlns="" xmlns:asvg="http://schemas.microsoft.com/office/drawing/2016/SVG/main" r:embed="rId3"/>
+                      <asvg:svgBlip xmlns:asvg="http://schemas.microsoft.com/office/drawing/2016/SVG/main" r:embed="rId3"/>
                     </a:ext>
                   </a:extLst>
                 </a:blip>
@@ -4128,7 +4141,7 @@
                 <a:blip r:embed="rId2">
                   <a:extLst>
                     <a:ext uri="{96DAC541-7B7A-43D3-8B79-37D633B846F1}">
-                      <asvg:svgBlip xmlns="" xmlns:asvg="http://schemas.microsoft.com/office/drawing/2016/SVG/main" r:embed="rId3"/>
+                      <asvg:svgBlip xmlns:asvg="http://schemas.microsoft.com/office/drawing/2016/SVG/main" r:embed="rId3"/>
                     </a:ext>
                   </a:extLst>
                 </a:blip>
@@ -4154,7 +4167,7 @@
                 <a:blip r:embed="rId2">
                   <a:extLst>
                     <a:ext uri="{96DAC541-7B7A-43D3-8B79-37D633B846F1}">
-                      <asvg:svgBlip xmlns="" xmlns:asvg="http://schemas.microsoft.com/office/drawing/2016/SVG/main" r:embed="rId3"/>
+                      <asvg:svgBlip xmlns:asvg="http://schemas.microsoft.com/office/drawing/2016/SVG/main" r:embed="rId3"/>
                     </a:ext>
                   </a:extLst>
                 </a:blip>
@@ -4180,7 +4193,7 @@
                 <a:blip r:embed="rId2">
                   <a:extLst>
                     <a:ext uri="{96DAC541-7B7A-43D3-8B79-37D633B846F1}">
-                      <asvg:svgBlip xmlns="" xmlns:asvg="http://schemas.microsoft.com/office/drawing/2016/SVG/main" r:embed="rId3"/>
+                      <asvg:svgBlip xmlns:asvg="http://schemas.microsoft.com/office/drawing/2016/SVG/main" r:embed="rId3"/>
                     </a:ext>
                   </a:extLst>
                 </a:blip>
@@ -4206,7 +4219,7 @@
                 <a:blip r:embed="rId2">
                   <a:extLst>
                     <a:ext uri="{96DAC541-7B7A-43D3-8B79-37D633B846F1}">
-                      <asvg:svgBlip xmlns="" xmlns:asvg="http://schemas.microsoft.com/office/drawing/2016/SVG/main" r:embed="rId3"/>
+                      <asvg:svgBlip xmlns:asvg="http://schemas.microsoft.com/office/drawing/2016/SVG/main" r:embed="rId3"/>
                     </a:ext>
                   </a:extLst>
                 </a:blip>
@@ -4249,7 +4262,7 @@
     </p:spTree>
     <p:extLst>
       <p:ext uri="{BB962C8B-B14F-4D97-AF65-F5344CB8AC3E}">
-        <p14:creationId xmlns="" xmlns:p14="http://schemas.microsoft.com/office/powerpoint/2010/main" val="532094619"/>
+        <p14:creationId xmlns:p14="http://schemas.microsoft.com/office/powerpoint/2010/main" val="532094619"/>
       </p:ext>
     </p:extLst>
   </p:cSld>
@@ -4304,7 +4317,7 @@
           <p:cNvPr id="6" name="Content Placeholder 2">
             <a:extLst>
               <a:ext uri="{FF2B5EF4-FFF2-40B4-BE49-F238E27FC236}">
-                <a16:creationId xmlns="" xmlns:a16="http://schemas.microsoft.com/office/drawing/2014/main" id="{8D3944A0-0FCB-46FB-9E73-72A37CA2B00B}"/>
+                <a16:creationId xmlns:a16="http://schemas.microsoft.com/office/drawing/2014/main" id="{8D3944A0-0FCB-46FB-9E73-72A37CA2B00B}"/>
               </a:ext>
             </a:extLst>
           </p:cNvPr>
@@ -4332,7 +4345,7 @@
               <a:buChar char="o"/>
             </a:pPr>
             <a:r>
-              <a:rPr lang="en-US" sz="2400" dirty="0" smtClean="0"/>
+              <a:rPr lang="en-US" sz="2400" dirty="0"/>
               <a:t>Understand how to visualize and analyze business processes in real time.</a:t>
             </a:r>
           </a:p>
@@ -4341,7 +4354,7 @@
               <a:buFont typeface="Courier New" pitchFamily="49" charset="0"/>
               <a:buChar char="o"/>
             </a:pPr>
-            <a:endParaRPr lang="en-US" sz="2400" dirty="0" smtClean="0"/>
+            <a:endParaRPr lang="en-US" sz="2400" dirty="0"/>
           </a:p>
           <a:p>
             <a:pPr marL="0" indent="0">
@@ -4349,7 +4362,7 @@
               <a:buChar char="o"/>
             </a:pPr>
             <a:r>
-              <a:rPr lang="en-US" sz="2400" dirty="0" smtClean="0"/>
+              <a:rPr lang="en-US" sz="2400" dirty="0"/>
               <a:t>Gain insights into process inefficiencies, bottlenecks, and areas for optimization.</a:t>
             </a:r>
           </a:p>
@@ -4358,7 +4371,7 @@
               <a:buFont typeface="Courier New" pitchFamily="49" charset="0"/>
               <a:buChar char="o"/>
             </a:pPr>
-            <a:endParaRPr lang="en-US" sz="2400" dirty="0" smtClean="0"/>
+            <a:endParaRPr lang="en-US" sz="2400" dirty="0"/>
           </a:p>
           <a:p>
             <a:pPr marL="0" indent="0">
@@ -4366,7 +4379,7 @@
               <a:buChar char="o"/>
             </a:pPr>
             <a:r>
-              <a:rPr lang="en-US" sz="2400" dirty="0" smtClean="0"/>
+              <a:rPr lang="en-US" sz="2400" dirty="0"/>
               <a:t>Learn how to leverage Celonis for data-driven decision-making across various industries.</a:t>
             </a:r>
           </a:p>
@@ -4374,7 +4387,7 @@
             <a:pPr marL="0" indent="0">
               <a:buNone/>
             </a:pPr>
-            <a:endParaRPr lang="en-US" sz="2400" dirty="0" smtClean="0"/>
+            <a:endParaRPr lang="en-US" sz="2400" dirty="0"/>
           </a:p>
           <a:p>
             <a:pPr lvl="0" algn="l" eaLnBrk="0" fontAlgn="base" hangingPunct="0">
@@ -4391,7 +4404,7 @@
               <a:buChar char="o"/>
             </a:pPr>
             <a:r>
-              <a:rPr lang="en-US" altLang="en-US" sz="2400" dirty="0" smtClean="0"/>
+              <a:rPr lang="en-US" altLang="en-US" sz="2400" dirty="0"/>
               <a:t>Learn to automatically discover process models and perform conformance checking.</a:t>
             </a:r>
           </a:p>
@@ -4409,7 +4422,7 @@
               <a:buFont typeface="Courier New" panose="02070309020205020404" pitchFamily="49" charset="0"/>
               <a:buChar char="o"/>
             </a:pPr>
-            <a:endParaRPr lang="en-US" altLang="en-US" sz="2400" dirty="0" smtClean="0"/>
+            <a:endParaRPr lang="en-US" altLang="en-US" sz="2400" dirty="0"/>
           </a:p>
           <a:p>
             <a:pPr lvl="0" algn="l" eaLnBrk="0" fontAlgn="base" hangingPunct="0">
@@ -4426,7 +4439,7 @@
               <a:buChar char="o"/>
             </a:pPr>
             <a:r>
-              <a:rPr lang="en-US" altLang="en-US" sz="2400" dirty="0" smtClean="0"/>
+              <a:rPr lang="en-US" altLang="en-US" sz="2400" dirty="0"/>
               <a:t>Analyze process performance to identify inefficiencies and suggest improvements.</a:t>
             </a:r>
           </a:p>
@@ -4442,7 +4455,7 @@
     </p:spTree>
     <p:extLst>
       <p:ext uri="{BB962C8B-B14F-4D97-AF65-F5344CB8AC3E}">
-        <p14:creationId xmlns="" xmlns:p14="http://schemas.microsoft.com/office/powerpoint/2010/main" val="1751120584"/>
+        <p14:creationId xmlns:p14="http://schemas.microsoft.com/office/powerpoint/2010/main" val="1751120584"/>
       </p:ext>
     </p:extLst>
   </p:cSld>
@@ -4485,7 +4498,7 @@
           <a:lstStyle/>
           <a:p>
             <a:r>
-              <a:rPr lang="en-US" dirty="0" smtClean="0"/>
+              <a:rPr lang="en-US" dirty="0"/>
               <a:t>Introduction</a:t>
             </a:r>
             <a:endParaRPr lang="en-IN" dirty="0"/>
@@ -4497,7 +4510,7 @@
           <p:cNvPr id="6" name="Content Placeholder 2">
             <a:extLst>
               <a:ext uri="{FF2B5EF4-FFF2-40B4-BE49-F238E27FC236}">
-                <a16:creationId xmlns="" xmlns:a16="http://schemas.microsoft.com/office/drawing/2014/main" id="{8D3944A0-0FCB-46FB-9E73-72A37CA2B00B}"/>
+                <a16:creationId xmlns:a16="http://schemas.microsoft.com/office/drawing/2014/main" id="{8D3944A0-0FCB-46FB-9E73-72A37CA2B00B}"/>
               </a:ext>
             </a:extLst>
           </p:cNvPr>
@@ -4525,11 +4538,11 @@
               <a:buChar char="v"/>
             </a:pPr>
             <a:r>
-              <a:rPr lang="en-US" sz="2400" dirty="0" smtClean="0"/>
+              <a:rPr lang="en-US" sz="2400" dirty="0"/>
               <a:t>Process mining is a technique that combines data science and process management to gain full visibility into how business processes are functioning by extracting and analyzing data from IT systems</a:t>
             </a:r>
             <a:r>
-              <a:rPr lang="en-US" sz="2400" b="1" dirty="0" smtClean="0"/>
+              <a:rPr lang="en-US" sz="2400" b="1" dirty="0"/>
               <a:t>.</a:t>
             </a:r>
           </a:p>
@@ -4538,45 +4551,45 @@
               <a:buNone/>
             </a:pPr>
             <a:r>
-              <a:rPr lang="en-US" sz="2400" b="1" dirty="0" smtClean="0"/>
+              <a:rPr lang="en-US" sz="2400" b="1" dirty="0"/>
               <a:t>Key Techniques:</a:t>
             </a:r>
           </a:p>
           <a:p>
             <a:r>
-              <a:rPr lang="en-US" sz="2000" b="1" dirty="0" smtClean="0"/>
+              <a:rPr lang="en-US" sz="2000" b="1" dirty="0"/>
               <a:t>Process Discovery:</a:t>
             </a:r>
             <a:r>
-              <a:rPr lang="en-US" sz="2000" dirty="0" smtClean="0"/>
+              <a:rPr lang="en-US" sz="2000" dirty="0"/>
               <a:t>Generates visual models of business processes from event logs to illustrate how processes are actually executed.</a:t>
             </a:r>
           </a:p>
           <a:p>
             <a:r>
-              <a:rPr lang="en-US" sz="2000" b="1" dirty="0" smtClean="0"/>
+              <a:rPr lang="en-US" sz="2000" b="1" dirty="0"/>
               <a:t>Process Analysis:</a:t>
             </a:r>
             <a:r>
-              <a:rPr lang="en-US" sz="2000" dirty="0" smtClean="0"/>
+              <a:rPr lang="en-US" sz="2000" dirty="0"/>
               <a:t>Process analysis involves examining and understanding the various steps, inputs, and outputs of a business process to identify inefficiencies, bottlenecks, and areas for improvement.</a:t>
             </a:r>
           </a:p>
           <a:p>
             <a:r>
-              <a:rPr lang="en-US" sz="2000" dirty="0" smtClean="0"/>
+              <a:rPr lang="en-US" sz="2000" dirty="0"/>
               <a:t>Process Optimization: Process optimization refers to the practice of improving a business process to enhance efficiency, reduce costs, and increase overall effectiveness through data-driven strategies.</a:t>
             </a:r>
           </a:p>
           <a:p>
-            <a:endParaRPr lang="en-US" sz="2000" dirty="0" smtClean="0"/>
+            <a:endParaRPr lang="en-US" sz="2000" dirty="0"/>
           </a:p>
           <a:p>
             <a:pPr>
               <a:buNone/>
             </a:pPr>
             <a:r>
-              <a:rPr lang="en-US" sz="2000" dirty="0" smtClean="0"/>
+              <a:rPr lang="en-US" sz="2000" dirty="0"/>
               <a:t>	</a:t>
             </a:r>
           </a:p>
@@ -4584,14 +4597,10 @@
             <a:pPr>
               <a:buNone/>
             </a:pPr>
-            <a:r>
-              <a:rPr lang="en-US" sz="2000" dirty="0" smtClean="0"/>
-              <a:t/>
-            </a:r>
             <a:br>
-              <a:rPr lang="en-US" sz="2000" dirty="0" smtClean="0"/>
+              <a:rPr lang="en-US" sz="2000" dirty="0"/>
             </a:br>
-            <a:endParaRPr lang="en-US" sz="2000" dirty="0" smtClean="0"/>
+            <a:endParaRPr lang="en-US" sz="2000" dirty="0"/>
           </a:p>
           <a:p>
             <a:pPr marL="0" indent="0">
@@ -4628,7 +4637,7 @@
     </p:spTree>
     <p:extLst>
       <p:ext uri="{BB962C8B-B14F-4D97-AF65-F5344CB8AC3E}">
-        <p14:creationId xmlns="" xmlns:p14="http://schemas.microsoft.com/office/powerpoint/2010/main" val="1751120584"/>
+        <p14:creationId xmlns:p14="http://schemas.microsoft.com/office/powerpoint/2010/main" val="1751120584"/>
       </p:ext>
     </p:extLst>
   </p:cSld>
@@ -4671,7 +4680,7 @@
           <a:lstStyle/>
           <a:p>
             <a:r>
-              <a:rPr lang="en-US" dirty="0" smtClean="0"/>
+              <a:rPr lang="en-US" dirty="0"/>
               <a:t>Introduction</a:t>
             </a:r>
             <a:endParaRPr lang="en-IN" dirty="0"/>
@@ -4683,7 +4692,7 @@
           <p:cNvPr id="6" name="Content Placeholder 2">
             <a:extLst>
               <a:ext uri="{FF2B5EF4-FFF2-40B4-BE49-F238E27FC236}">
-                <a16:creationId xmlns="" xmlns:a16="http://schemas.microsoft.com/office/drawing/2014/main" id="{8D3944A0-0FCB-46FB-9E73-72A37CA2B00B}"/>
+                <a16:creationId xmlns:a16="http://schemas.microsoft.com/office/drawing/2014/main" id="{8D3944A0-0FCB-46FB-9E73-72A37CA2B00B}"/>
               </a:ext>
             </a:extLst>
           </p:cNvPr>
@@ -4707,75 +4716,75 @@
           <a:lstStyle/>
           <a:p>
             <a:r>
-              <a:rPr lang="en-US" sz="2400" b="1" dirty="0" smtClean="0"/>
+              <a:rPr lang="en-US" sz="2400" b="1" dirty="0"/>
               <a:t>Data-Driven Decision Making:</a:t>
             </a:r>
             <a:r>
-              <a:rPr lang="en-US" sz="2400" dirty="0" smtClean="0"/>
+              <a:rPr lang="en-US" sz="2400" dirty="0"/>
               <a:t>Process mining provides insights from real data, leading to more informed and accurate decisions.</a:t>
             </a:r>
           </a:p>
           <a:p>
             <a:r>
-              <a:rPr lang="en-US" sz="2400" b="1" dirty="0" smtClean="0"/>
+              <a:rPr lang="en-US" sz="2400" b="1" dirty="0"/>
               <a:t> Process Transparency and Visualization:</a:t>
             </a:r>
             <a:r>
-              <a:rPr lang="en-US" sz="2400" dirty="0" smtClean="0"/>
+              <a:rPr lang="en-US" sz="2400" dirty="0"/>
               <a:t>It visualizes workflows, making inefficiencies and deviations easy to spot.</a:t>
             </a:r>
           </a:p>
           <a:p>
             <a:r>
-              <a:rPr lang="en-US" sz="2400" b="1" dirty="0" smtClean="0"/>
+              <a:rPr lang="en-US" sz="2400" b="1" dirty="0"/>
               <a:t>Scalability</a:t>
             </a:r>
             <a:r>
-              <a:rPr lang="en-US" sz="2400" dirty="0" smtClean="0"/>
+              <a:rPr lang="en-US" sz="2400" dirty="0"/>
               <a:t>: Easily applies to various industries such as finance, healthcare, and manufacturing, allowing businesses to continuously improve and adapt.</a:t>
             </a:r>
           </a:p>
           <a:p>
             <a:r>
-              <a:rPr lang="en-US" sz="2400" b="1" dirty="0" smtClean="0"/>
+              <a:rPr lang="en-US" sz="2400" b="1" dirty="0"/>
               <a:t>Shorter Time to </a:t>
             </a:r>
             <a:r>
-              <a:rPr lang="en-US" sz="2400" b="1" dirty="0" err="1" smtClean="0"/>
+              <a:rPr lang="en-US" sz="2400" b="1" dirty="0" err="1"/>
               <a:t>Value:</a:t>
             </a:r>
             <a:r>
-              <a:rPr lang="en-US" sz="2400" dirty="0" err="1" smtClean="0"/>
+              <a:rPr lang="en-US" sz="2400" dirty="0" err="1"/>
               <a:t>It</a:t>
             </a:r>
             <a:r>
-              <a:rPr lang="en-US" sz="2400" dirty="0" smtClean="0"/>
+              <a:rPr lang="en-US" sz="2400" dirty="0"/>
               <a:t> delivers quick, actionable insights, allowing for faster process improvements.</a:t>
             </a:r>
           </a:p>
           <a:p>
             <a:r>
-              <a:rPr lang="en-US" sz="2400" b="1" dirty="0" smtClean="0"/>
+              <a:rPr lang="en-US" sz="2400" b="1" dirty="0"/>
               <a:t>Integration with AI and </a:t>
             </a:r>
             <a:r>
-              <a:rPr lang="en-US" sz="2400" b="1" dirty="0" err="1" smtClean="0"/>
+              <a:rPr lang="en-US" sz="2400" b="1" dirty="0" err="1"/>
               <a:t>Automation:</a:t>
             </a:r>
             <a:r>
-              <a:rPr lang="en-US" sz="2400" dirty="0" err="1" smtClean="0"/>
+              <a:rPr lang="en-US" sz="2400" dirty="0" err="1"/>
               <a:t>Combining</a:t>
             </a:r>
             <a:r>
-              <a:rPr lang="en-US" sz="2400" dirty="0" smtClean="0"/>
+              <a:rPr lang="en-US" sz="2400" dirty="0"/>
               <a:t> AI with process mining enhances automation and proactive problem-solving.</a:t>
             </a:r>
           </a:p>
           <a:p>
-            <a:endParaRPr lang="en-US" sz="2400" dirty="0" smtClean="0"/>
-          </a:p>
-          <a:p>
-            <a:endParaRPr lang="en-US" sz="2400" dirty="0" smtClean="0"/>
+            <a:endParaRPr lang="en-US" sz="2400" dirty="0"/>
+          </a:p>
+          <a:p>
+            <a:endParaRPr lang="en-US" sz="2400" dirty="0"/>
           </a:p>
           <a:p>
             <a:pPr marL="0" indent="0">
@@ -4788,7 +4797,7 @@
     </p:spTree>
     <p:extLst>
       <p:ext uri="{BB962C8B-B14F-4D97-AF65-F5344CB8AC3E}">
-        <p14:creationId xmlns="" xmlns:p14="http://schemas.microsoft.com/office/powerpoint/2010/main" val="1751120584"/>
+        <p14:creationId xmlns:p14="http://schemas.microsoft.com/office/powerpoint/2010/main" val="1751120584"/>
       </p:ext>
     </p:extLst>
   </p:cSld>
@@ -4831,7 +4840,7 @@
           <a:lstStyle/>
           <a:p>
             <a:r>
-              <a:rPr lang="en-US" dirty="0" smtClean="0"/>
+              <a:rPr lang="en-US" dirty="0"/>
               <a:t>Technology</a:t>
             </a:r>
             <a:endParaRPr lang="en-IN" dirty="0"/>
@@ -4843,7 +4852,7 @@
           <p:cNvPr id="6" name="Content Placeholder 2">
             <a:extLst>
               <a:ext uri="{FF2B5EF4-FFF2-40B4-BE49-F238E27FC236}">
-                <a16:creationId xmlns="" xmlns:a16="http://schemas.microsoft.com/office/drawing/2014/main" id="{8D3944A0-0FCB-46FB-9E73-72A37CA2B00B}"/>
+                <a16:creationId xmlns:a16="http://schemas.microsoft.com/office/drawing/2014/main" id="{8D3944A0-0FCB-46FB-9E73-72A37CA2B00B}"/>
               </a:ext>
             </a:extLst>
           </p:cNvPr>
@@ -4870,73 +4879,73 @@
               <a:buNone/>
             </a:pPr>
             <a:r>
-              <a:rPr lang="en-US" sz="2400" b="1" dirty="0" smtClean="0"/>
+              <a:rPr lang="en-US" sz="2400" b="1" dirty="0"/>
               <a:t>Key Technologies in Process Mining:</a:t>
             </a:r>
           </a:p>
           <a:p>
             <a:r>
-              <a:rPr lang="en-US" sz="2400" b="1" dirty="0" smtClean="0"/>
+              <a:rPr lang="en-US" sz="2400" b="1" dirty="0"/>
               <a:t>Process </a:t>
             </a:r>
             <a:r>
-              <a:rPr lang="en-US" sz="2400" b="1" dirty="0" err="1" smtClean="0"/>
+              <a:rPr lang="en-US" sz="2400" b="1" dirty="0" err="1"/>
               <a:t>Discovery</a:t>
             </a:r>
             <a:r>
-              <a:rPr lang="en-US" sz="2000" b="1" dirty="0" err="1" smtClean="0"/>
+              <a:rPr lang="en-US" sz="2000" b="1" dirty="0" err="1"/>
               <a:t>:</a:t>
             </a:r>
             <a:r>
-              <a:rPr lang="en-US" sz="2000" dirty="0" err="1" smtClean="0"/>
+              <a:rPr lang="en-US" sz="2000" dirty="0" err="1"/>
               <a:t>Techniques</a:t>
             </a:r>
             <a:r>
-              <a:rPr lang="en-US" sz="2000" dirty="0" smtClean="0"/>
+              <a:rPr lang="en-US" sz="2000" dirty="0"/>
               <a:t> used to automatically generate process models from event log data, allowing organizations to visualize actual workflows.</a:t>
             </a:r>
           </a:p>
           <a:p>
             <a:r>
-              <a:rPr lang="en-US" sz="2000" b="1" dirty="0" smtClean="0"/>
+              <a:rPr lang="en-US" sz="2000" b="1" dirty="0"/>
               <a:t>Big </a:t>
             </a:r>
             <a:r>
-              <a:rPr lang="en-US" sz="2000" b="1" dirty="0" err="1" smtClean="0"/>
+              <a:rPr lang="en-US" sz="2000" b="1" dirty="0" err="1"/>
               <a:t>Data:</a:t>
             </a:r>
             <a:r>
-              <a:rPr lang="en-US" sz="2000" dirty="0" err="1" smtClean="0"/>
+              <a:rPr lang="en-US" sz="2000" dirty="0" err="1"/>
               <a:t>Capabilities</a:t>
             </a:r>
             <a:r>
-              <a:rPr lang="en-US" sz="2000" dirty="0" smtClean="0"/>
+              <a:rPr lang="en-US" sz="2000" dirty="0"/>
               <a:t> to handle and analyze large-scale event logs generated by various IT systems, allowing for in-depth process analysis.</a:t>
             </a:r>
           </a:p>
           <a:p>
             <a:r>
-              <a:rPr lang="en-US" sz="2000" b="1" dirty="0" smtClean="0"/>
+              <a:rPr lang="en-US" sz="2000" b="1" dirty="0"/>
               <a:t>Visualization</a:t>
             </a:r>
-            <a:endParaRPr lang="en-US" sz="2000" dirty="0" smtClean="0"/>
-          </a:p>
-          <a:p>
-            <a:r>
-              <a:rPr lang="en-US" sz="2000" b="1" dirty="0" smtClean="0"/>
+            <a:endParaRPr lang="en-US" sz="2000" dirty="0"/>
+          </a:p>
+          <a:p>
+            <a:r>
+              <a:rPr lang="en-US" sz="2000" b="1" dirty="0"/>
               <a:t>Dashboards</a:t>
             </a:r>
             <a:r>
-              <a:rPr lang="en-US" sz="2000" dirty="0" smtClean="0"/>
+              <a:rPr lang="en-US" sz="2000" dirty="0"/>
               <a:t>: Tools like Power BI and Tableau deliver real-time insights through interactive visualizations, enabling users to monitor process performance effectively.</a:t>
             </a:r>
           </a:p>
           <a:p>
             <a:r>
-              <a:rPr lang="en-US" sz="1800" b="1" dirty="0" smtClean="0"/>
+              <a:rPr lang="en-US" sz="1800" b="1" dirty="0"/>
               <a:t>Data Integration</a:t>
             </a:r>
-            <a:endParaRPr lang="en-US" sz="1800" dirty="0" smtClean="0"/>
+            <a:endParaRPr lang="en-US" sz="1800" dirty="0"/>
           </a:p>
           <a:p>
             <a:pPr marL="742950" lvl="1" indent="-285750">
@@ -4944,11 +4953,11 @@
               <a:buAutoNum type="arabicPeriod"/>
             </a:pPr>
             <a:r>
-              <a:rPr lang="en-US" sz="1800" b="1" dirty="0" smtClean="0"/>
+              <a:rPr lang="en-US" sz="1800" b="1" dirty="0"/>
               <a:t>Big Data</a:t>
             </a:r>
             <a:r>
-              <a:rPr lang="en-US" sz="1800" dirty="0" smtClean="0"/>
+              <a:rPr lang="en-US" sz="1800" dirty="0"/>
               <a:t>: Handle large-scale event logs</a:t>
             </a:r>
           </a:p>
@@ -4958,20 +4967,20 @@
               <a:buAutoNum type="arabicPeriod"/>
             </a:pPr>
             <a:r>
-              <a:rPr lang="en-US" sz="1800" b="1" dirty="0" smtClean="0"/>
+              <a:rPr lang="en-US" sz="1800" b="1" dirty="0"/>
               <a:t>Cloud Platforms</a:t>
             </a:r>
             <a:r>
-              <a:rPr lang="en-US" sz="1800" dirty="0" smtClean="0"/>
+              <a:rPr lang="en-US" sz="1800" dirty="0"/>
               <a:t>: Store and process data (AWS, Google Cloud)</a:t>
             </a:r>
           </a:p>
           <a:p>
             <a:r>
-              <a:rPr lang="en-US" sz="1800" b="1" dirty="0" smtClean="0"/>
+              <a:rPr lang="en-US" sz="1800" b="1" dirty="0"/>
               <a:t>Process Mining Tools</a:t>
             </a:r>
-            <a:endParaRPr lang="en-US" sz="1800" dirty="0" smtClean="0"/>
+            <a:endParaRPr lang="en-US" sz="1800" dirty="0"/>
           </a:p>
           <a:p>
             <a:pPr marL="742950" lvl="1" indent="-285750">
@@ -4979,19 +4988,19 @@
               <a:buAutoNum type="arabicPeriod"/>
             </a:pPr>
             <a:r>
-              <a:rPr lang="en-US" sz="1800" b="1" dirty="0" smtClean="0"/>
+              <a:rPr lang="en-US" sz="1800" b="1" dirty="0"/>
               <a:t>ProM</a:t>
             </a:r>
             <a:r>
-              <a:rPr lang="en-US" sz="1800" dirty="0" smtClean="0"/>
+              <a:rPr lang="en-US" sz="1800" dirty="0"/>
               <a:t> (Open-source), </a:t>
             </a:r>
             <a:r>
-              <a:rPr lang="en-US" sz="1800" b="1" dirty="0" smtClean="0"/>
+              <a:rPr lang="en-US" sz="1800" b="1" dirty="0"/>
               <a:t>Celonis</a:t>
             </a:r>
             <a:r>
-              <a:rPr lang="en-US" sz="1800" dirty="0" smtClean="0"/>
+              <a:rPr lang="en-US" sz="1800" dirty="0"/>
               <a:t> (Commercial)</a:t>
             </a:r>
           </a:p>
@@ -4999,16 +5008,16 @@
             <a:pPr>
               <a:buNone/>
             </a:pPr>
-            <a:endParaRPr lang="en-US" sz="2000" dirty="0" smtClean="0"/>
-          </a:p>
-          <a:p>
-            <a:endParaRPr lang="en-US" sz="2000" dirty="0" smtClean="0"/>
+            <a:endParaRPr lang="en-US" sz="2000" dirty="0"/>
+          </a:p>
+          <a:p>
+            <a:endParaRPr lang="en-US" sz="2000" dirty="0"/>
           </a:p>
           <a:p>
             <a:pPr marL="0" indent="0">
               <a:buNone/>
             </a:pPr>
-            <a:endParaRPr lang="en-US" sz="2400" b="1" dirty="0" smtClean="0"/>
+            <a:endParaRPr lang="en-US" sz="2400" b="1" dirty="0"/>
           </a:p>
         </p:txBody>
       </p:sp>
@@ -5039,7 +5048,7 @@
     </p:spTree>
     <p:extLst>
       <p:ext uri="{BB962C8B-B14F-4D97-AF65-F5344CB8AC3E}">
-        <p14:creationId xmlns="" xmlns:p14="http://schemas.microsoft.com/office/powerpoint/2010/main" val="1751120584"/>
+        <p14:creationId xmlns:p14="http://schemas.microsoft.com/office/powerpoint/2010/main" val="1751120584"/>
       </p:ext>
     </p:extLst>
   </p:cSld>
@@ -5082,7 +5091,7 @@
           <a:lstStyle/>
           <a:p>
             <a:r>
-              <a:rPr lang="en-US" dirty="0" smtClean="0"/>
+              <a:rPr lang="en-US" dirty="0"/>
               <a:t>Applications</a:t>
             </a:r>
             <a:endParaRPr lang="en-IN" dirty="0"/>
@@ -5094,7 +5103,7 @@
           <p:cNvPr id="6" name="Content Placeholder 2">
             <a:extLst>
               <a:ext uri="{FF2B5EF4-FFF2-40B4-BE49-F238E27FC236}">
-                <a16:creationId xmlns="" xmlns:a16="http://schemas.microsoft.com/office/drawing/2014/main" id="{8D3944A0-0FCB-46FB-9E73-72A37CA2B00B}"/>
+                <a16:creationId xmlns:a16="http://schemas.microsoft.com/office/drawing/2014/main" id="{8D3944A0-0FCB-46FB-9E73-72A37CA2B00B}"/>
               </a:ext>
             </a:extLst>
           </p:cNvPr>
@@ -5122,11 +5131,11 @@
               <a:buChar char="ü"/>
             </a:pPr>
             <a:r>
-              <a:rPr lang="en-US" sz="2400" b="1" dirty="0" smtClean="0"/>
+              <a:rPr lang="en-US" sz="2400" b="1" dirty="0"/>
               <a:t>Finance</a:t>
             </a:r>
             <a:r>
-              <a:rPr lang="en-US" sz="2400" dirty="0" smtClean="0"/>
+              <a:rPr lang="en-US" sz="2400" dirty="0"/>
               <a:t>:</a:t>
             </a:r>
           </a:p>
@@ -5135,7 +5144,7 @@
               <a:buNone/>
             </a:pPr>
             <a:r>
-              <a:rPr lang="en-US" sz="2400" dirty="0" smtClean="0"/>
+              <a:rPr lang="en-US" sz="2400" dirty="0"/>
               <a:t> Automating invoice processing and optimizing cash flow.</a:t>
             </a:r>
           </a:p>
@@ -5145,11 +5154,11 @@
               <a:buChar char="ü"/>
             </a:pPr>
             <a:r>
-              <a:rPr lang="en-US" sz="2400" b="1" dirty="0" smtClean="0"/>
+              <a:rPr lang="en-US" sz="2400" b="1" dirty="0"/>
               <a:t>Manufacturing</a:t>
             </a:r>
             <a:r>
-              <a:rPr lang="en-US" sz="2400" dirty="0" smtClean="0"/>
+              <a:rPr lang="en-US" sz="2400" dirty="0"/>
               <a:t>:</a:t>
             </a:r>
           </a:p>
@@ -5158,7 +5167,7 @@
               <a:buNone/>
             </a:pPr>
             <a:r>
-              <a:rPr lang="en-US" sz="2400" dirty="0" smtClean="0"/>
+              <a:rPr lang="en-US" sz="2400" dirty="0"/>
               <a:t> Streamlining production lines and minimizing delays.</a:t>
             </a:r>
           </a:p>
@@ -5168,11 +5177,11 @@
               <a:buChar char="ü"/>
             </a:pPr>
             <a:r>
-              <a:rPr lang="en-US" sz="2400" b="1" dirty="0" smtClean="0"/>
+              <a:rPr lang="en-US" sz="2400" b="1" dirty="0"/>
               <a:t>Healthcare</a:t>
             </a:r>
             <a:r>
-              <a:rPr lang="en-US" sz="2400" dirty="0" smtClean="0"/>
+              <a:rPr lang="en-US" sz="2400" dirty="0"/>
               <a:t>:</a:t>
             </a:r>
           </a:p>
@@ -5181,7 +5190,7 @@
               <a:buNone/>
             </a:pPr>
             <a:r>
-              <a:rPr lang="en-US" sz="2400" dirty="0" smtClean="0"/>
+              <a:rPr lang="en-US" sz="2400" dirty="0"/>
               <a:t> Improving patient flow and resource allocation.</a:t>
             </a:r>
           </a:p>
@@ -5191,11 +5200,11 @@
               <a:buChar char="ü"/>
             </a:pPr>
             <a:r>
-              <a:rPr lang="en-US" sz="2400" b="1" dirty="0" smtClean="0"/>
+              <a:rPr lang="en-US" sz="2400" b="1" dirty="0"/>
               <a:t>Retail</a:t>
             </a:r>
             <a:r>
-              <a:rPr lang="en-US" sz="2400" dirty="0" smtClean="0"/>
+              <a:rPr lang="en-US" sz="2400" dirty="0"/>
               <a:t>:</a:t>
             </a:r>
           </a:p>
@@ -5204,7 +5213,7 @@
               <a:buNone/>
             </a:pPr>
             <a:r>
-              <a:rPr lang="en-US" sz="2400" dirty="0" smtClean="0"/>
+              <a:rPr lang="en-US" sz="2400" dirty="0"/>
               <a:t> Optimizing supply chain and inventory management.</a:t>
             </a:r>
           </a:p>
@@ -5214,11 +5223,11 @@
               <a:buChar char="ü"/>
             </a:pPr>
             <a:r>
-              <a:rPr lang="en-US" sz="2400" dirty="0" smtClean="0"/>
+              <a:rPr lang="en-US" sz="2400" dirty="0"/>
               <a:t>Healthcare</a:t>
             </a:r>
             <a:r>
-              <a:rPr lang="en-US" sz="3200" dirty="0" smtClean="0"/>
+              <a:rPr lang="en-US" sz="3200" dirty="0"/>
               <a:t>:</a:t>
             </a:r>
           </a:p>
@@ -5227,7 +5236,7 @@
               <a:buNone/>
             </a:pPr>
             <a:r>
-              <a:rPr lang="en-US" sz="2400" dirty="0" smtClean="0"/>
+              <a:rPr lang="en-US" sz="2400" dirty="0"/>
               <a:t>Optimizes the care treatment by releasing the delay in the waiting time by performing process analysis on patient care.</a:t>
             </a:r>
           </a:p>
@@ -5235,7 +5244,7 @@
             <a:pPr marL="0" indent="0">
               <a:buNone/>
             </a:pPr>
-            <a:endParaRPr lang="en-US" sz="2400" b="1" dirty="0" smtClean="0"/>
+            <a:endParaRPr lang="en-US" sz="2400" b="1" dirty="0"/>
           </a:p>
         </p:txBody>
       </p:sp>
@@ -5266,7 +5275,7 @@
     </p:spTree>
     <p:extLst>
       <p:ext uri="{BB962C8B-B14F-4D97-AF65-F5344CB8AC3E}">
-        <p14:creationId xmlns="" xmlns:p14="http://schemas.microsoft.com/office/powerpoint/2010/main" val="1751120584"/>
+        <p14:creationId xmlns:p14="http://schemas.microsoft.com/office/powerpoint/2010/main" val="1751120584"/>
       </p:ext>
     </p:extLst>
   </p:cSld>
@@ -5309,7 +5318,7 @@
           <a:lstStyle/>
           <a:p>
             <a:r>
-              <a:rPr lang="en-US" dirty="0" smtClean="0"/>
+              <a:rPr lang="en-US" dirty="0"/>
               <a:t>Modules</a:t>
             </a:r>
             <a:endParaRPr lang="en-IN" dirty="0"/>
@@ -5321,7 +5330,7 @@
           <p:cNvPr id="6" name="Content Placeholder 2">
             <a:extLst>
               <a:ext uri="{FF2B5EF4-FFF2-40B4-BE49-F238E27FC236}">
-                <a16:creationId xmlns="" xmlns:a16="http://schemas.microsoft.com/office/drawing/2014/main" id="{8D3944A0-0FCB-46FB-9E73-72A37CA2B00B}"/>
+                <a16:creationId xmlns:a16="http://schemas.microsoft.com/office/drawing/2014/main" id="{8D3944A0-0FCB-46FB-9E73-72A37CA2B00B}"/>
               </a:ext>
             </a:extLst>
           </p:cNvPr>
@@ -5348,55 +5357,55 @@
               <a:buNone/>
             </a:pPr>
             <a:r>
-              <a:rPr lang="en-US" sz="1800" b="1" dirty="0" smtClean="0"/>
+              <a:rPr lang="en-US" sz="1800" b="1" dirty="0"/>
               <a:t>Modules of Process Mining</a:t>
             </a:r>
           </a:p>
           <a:p>
             <a:r>
-              <a:rPr lang="en-US" sz="1800" b="1" dirty="0" smtClean="0"/>
+              <a:rPr lang="en-US" sz="1800" b="1" dirty="0"/>
               <a:t>Data Collection</a:t>
             </a:r>
-            <a:endParaRPr lang="en-US" sz="1800" dirty="0" smtClean="0"/>
+            <a:endParaRPr lang="en-US" sz="1800" dirty="0"/>
           </a:p>
           <a:p>
             <a:pPr>
               <a:buNone/>
             </a:pPr>
             <a:r>
-              <a:rPr lang="en-US" sz="1800" dirty="0" smtClean="0"/>
+              <a:rPr lang="en-US" sz="1800" dirty="0"/>
               <a:t>Gather event log data from various IT systems for comprehensive process coverage.</a:t>
             </a:r>
           </a:p>
           <a:p>
             <a:r>
-              <a:rPr lang="en-US" sz="1800" b="1" dirty="0" smtClean="0"/>
+              <a:rPr lang="en-US" sz="1800" b="1" dirty="0"/>
               <a:t>Data Analysis</a:t>
             </a:r>
-            <a:endParaRPr lang="en-US" sz="1800" dirty="0" smtClean="0"/>
+            <a:endParaRPr lang="en-US" sz="1800" dirty="0"/>
           </a:p>
           <a:p>
             <a:pPr>
               <a:buNone/>
             </a:pPr>
             <a:r>
-              <a:rPr lang="en-US" sz="1800" dirty="0" smtClean="0"/>
+              <a:rPr lang="en-US" sz="1800" dirty="0"/>
               <a:t>Analyze the data to identify patterns, trends, and anomalies in the processes.</a:t>
             </a:r>
           </a:p>
           <a:p>
             <a:r>
-              <a:rPr lang="en-US" sz="1800" b="1" dirty="0" smtClean="0"/>
+              <a:rPr lang="en-US" sz="1800" b="1" dirty="0"/>
               <a:t>Evaluation</a:t>
             </a:r>
-            <a:endParaRPr lang="en-US" sz="1800" dirty="0" smtClean="0"/>
+            <a:endParaRPr lang="en-US" sz="1800" dirty="0"/>
           </a:p>
           <a:p>
             <a:pPr>
               <a:buNone/>
             </a:pPr>
             <a:r>
-              <a:rPr lang="en-US" sz="1800" dirty="0" smtClean="0"/>
+              <a:rPr lang="en-US" sz="1800" dirty="0"/>
               <a:t>Assess process performance using key performance indicators (KPIs) to</a:t>
             </a:r>
           </a:p>
@@ -5405,23 +5414,23 @@
               <a:buNone/>
             </a:pPr>
             <a:r>
-              <a:rPr lang="en-US" sz="1800" dirty="0" smtClean="0"/>
+              <a:rPr lang="en-US" sz="1800" dirty="0"/>
               <a:t> pinpoint areas for improvement.</a:t>
             </a:r>
           </a:p>
           <a:p>
             <a:r>
-              <a:rPr lang="en-US" sz="1800" b="1" dirty="0" smtClean="0"/>
+              <a:rPr lang="en-US" sz="1800" b="1" dirty="0"/>
               <a:t>Deployment</a:t>
             </a:r>
-            <a:endParaRPr lang="en-US" sz="1800" dirty="0" smtClean="0"/>
+            <a:endParaRPr lang="en-US" sz="1800" dirty="0"/>
           </a:p>
           <a:p>
             <a:pPr>
               <a:buNone/>
             </a:pPr>
             <a:r>
-              <a:rPr lang="en-US" sz="1800" dirty="0" smtClean="0"/>
+              <a:rPr lang="en-US" sz="1800" dirty="0"/>
               <a:t>Implement identified improvements in real-world processes, ensuring </a:t>
             </a:r>
           </a:p>
@@ -5430,23 +5439,23 @@
               <a:buNone/>
             </a:pPr>
             <a:r>
-              <a:rPr lang="en-US" sz="1800" dirty="0" smtClean="0"/>
+              <a:rPr lang="en-US" sz="1800" dirty="0"/>
               <a:t>smooth integration.</a:t>
             </a:r>
           </a:p>
           <a:p>
             <a:r>
-              <a:rPr lang="en-US" sz="1800" b="1" dirty="0" smtClean="0"/>
+              <a:rPr lang="en-US" sz="1800" b="1" dirty="0"/>
               <a:t>Problem Definition</a:t>
             </a:r>
-            <a:endParaRPr lang="en-US" sz="1800" dirty="0" smtClean="0"/>
+            <a:endParaRPr lang="en-US" sz="1800" dirty="0"/>
           </a:p>
           <a:p>
             <a:pPr>
               <a:buNone/>
             </a:pPr>
             <a:r>
-              <a:rPr lang="en-US" sz="1800" dirty="0" smtClean="0"/>
+              <a:rPr lang="en-US" sz="1800" dirty="0"/>
               <a:t>Define specific problems or inefficiencies to guide the analysis and solution </a:t>
             </a:r>
           </a:p>
@@ -5455,7 +5464,7 @@
               <a:buNone/>
             </a:pPr>
             <a:r>
-              <a:rPr lang="en-US" sz="1800" dirty="0" smtClean="0"/>
+              <a:rPr lang="en-US" sz="1800" dirty="0"/>
               <a:t>development.</a:t>
             </a:r>
           </a:p>
@@ -5463,7 +5472,7 @@
             <a:pPr marL="0" indent="0">
               <a:buNone/>
             </a:pPr>
-            <a:endParaRPr lang="en-US" sz="1800" b="1" dirty="0" smtClean="0"/>
+            <a:endParaRPr lang="en-US" sz="1800" b="1" dirty="0"/>
           </a:p>
         </p:txBody>
       </p:sp>
@@ -5494,7 +5503,7 @@
     </p:spTree>
     <p:extLst>
       <p:ext uri="{BB962C8B-B14F-4D97-AF65-F5344CB8AC3E}">
-        <p14:creationId xmlns="" xmlns:p14="http://schemas.microsoft.com/office/powerpoint/2010/main" val="1751120584"/>
+        <p14:creationId xmlns:p14="http://schemas.microsoft.com/office/powerpoint/2010/main" val="1751120584"/>
       </p:ext>
     </p:extLst>
   </p:cSld>
@@ -5537,7 +5546,7 @@
           <a:lstStyle/>
           <a:p>
             <a:r>
-              <a:rPr lang="en-IN" dirty="0" smtClean="0"/>
+              <a:rPr lang="en-IN" dirty="0"/>
               <a:t>Real Time Applications</a:t>
             </a:r>
             <a:endParaRPr lang="en-US" dirty="0"/>
@@ -5563,11 +5572,11 @@
               <a:buNone/>
             </a:pPr>
             <a:r>
-              <a:rPr lang="en-US" sz="2400" b="1" dirty="0" smtClean="0"/>
+              <a:rPr lang="en-US" sz="2400" b="1" dirty="0"/>
               <a:t>1.Retail Industry:</a:t>
             </a:r>
             <a:r>
-              <a:rPr lang="en-US" sz="2400" dirty="0" smtClean="0"/>
+              <a:rPr lang="en-US" sz="2400" dirty="0"/>
               <a:t> Monitoring stock levels, delivery times, and sales processes to enhance customer satisfaction.</a:t>
             </a:r>
           </a:p>
@@ -5576,11 +5585,11 @@
               <a:buNone/>
             </a:pPr>
             <a:r>
-              <a:rPr lang="en-US" sz="2400" b="1" dirty="0" smtClean="0"/>
+              <a:rPr lang="en-US" sz="2400" b="1" dirty="0"/>
               <a:t>2.Financial Services:</a:t>
             </a:r>
             <a:r>
-              <a:rPr lang="en-US" sz="2400" dirty="0" smtClean="0"/>
+              <a:rPr lang="en-US" sz="2400" dirty="0"/>
               <a:t> Managing compliance, risk, and fraud detection in banking and insurance.</a:t>
             </a:r>
           </a:p>
@@ -5589,11 +5598,11 @@
               <a:buNone/>
             </a:pPr>
             <a:r>
-              <a:rPr lang="en-US" sz="2400" b="1" dirty="0" smtClean="0"/>
+              <a:rPr lang="en-US" sz="2400" b="1" dirty="0"/>
               <a:t>3.Manufacturing:</a:t>
             </a:r>
             <a:r>
-              <a:rPr lang="en-US" sz="2400" dirty="0" smtClean="0"/>
+              <a:rPr lang="en-US" sz="2400" dirty="0"/>
               <a:t> Streamlining workflows to minimize production delays and reduce material wastage.</a:t>
             </a:r>
           </a:p>
@@ -5602,15 +5611,15 @@
               <a:buNone/>
             </a:pPr>
             <a:r>
-              <a:rPr lang="en-US" sz="2400" b="1" dirty="0" smtClean="0"/>
+              <a:rPr lang="en-US" sz="2400" b="1" dirty="0"/>
               <a:t>4.Telecommunications:</a:t>
             </a:r>
             <a:r>
-              <a:rPr lang="en-US" sz="2400" dirty="0" smtClean="0"/>
+              <a:rPr lang="en-US" sz="2400" dirty="0"/>
               <a:t> Optimizing service delivery, billing systems, and customer support processes</a:t>
             </a:r>
             <a:r>
-              <a:rPr lang="en-US" dirty="0" smtClean="0"/>
+              <a:rPr lang="en-US" dirty="0"/>
               <a:t>.</a:t>
             </a:r>
           </a:p>
@@ -5619,11 +5628,11 @@
               <a:buNone/>
             </a:pPr>
             <a:r>
-              <a:rPr lang="en-US" sz="2400" b="1" dirty="0" smtClean="0"/>
+              <a:rPr lang="en-US" sz="2400" b="1" dirty="0"/>
               <a:t>5.Agile Decision-Making</a:t>
             </a:r>
             <a:r>
-              <a:rPr lang="en-US" sz="2400" dirty="0" smtClean="0"/>
+              <a:rPr lang="en-US" sz="2400" dirty="0"/>
               <a:t>:</a:t>
             </a:r>
           </a:p>
@@ -5632,7 +5641,7 @@
               <a:buNone/>
             </a:pPr>
             <a:r>
-              <a:rPr lang="en-US" dirty="0" smtClean="0"/>
+              <a:rPr lang="en-US" dirty="0"/>
               <a:t>Allows organizations to adapt their processes rapidly based on real-time insights, ensuring they remain competitive and responsive to changes</a:t>
             </a:r>
           </a:p>
@@ -5641,11 +5650,11 @@
               <a:buNone/>
             </a:pPr>
             <a:r>
-              <a:rPr lang="en-US" b="1" dirty="0" smtClean="0"/>
+              <a:rPr lang="en-US" b="1" dirty="0"/>
               <a:t>Predictive Analytics</a:t>
             </a:r>
             <a:r>
-              <a:rPr lang="en-US" dirty="0" smtClean="0"/>
+              <a:rPr lang="en-US" dirty="0"/>
               <a:t>: Predict bottlenecks before they occur in real-time.</a:t>
             </a:r>
           </a:p>
@@ -5654,14 +5663,14 @@
               <a:buNone/>
             </a:pPr>
             <a:r>
-              <a:rPr lang="en-US" b="1" dirty="0" smtClean="0"/>
+              <a:rPr lang="en-US" b="1" dirty="0"/>
               <a:t>Process Automation</a:t>
             </a:r>
             <a:r>
-              <a:rPr lang="en-US" dirty="0" smtClean="0"/>
+              <a:rPr lang="en-US" dirty="0"/>
               <a:t>: Automate mundane tasks like order processing or invoice approvals.</a:t>
             </a:r>
-            <a:endParaRPr lang="en-US" b="1" dirty="0" smtClean="0"/>
+            <a:endParaRPr lang="en-US" b="1" dirty="0"/>
           </a:p>
           <a:p>
             <a:endParaRPr lang="en-US" dirty="0"/>
@@ -5671,7 +5680,7 @@
     </p:spTree>
     <p:extLst>
       <p:ext uri="{BB962C8B-B14F-4D97-AF65-F5344CB8AC3E}">
-        <p14:creationId xmlns="" xmlns:p14="http://schemas.microsoft.com/office/powerpoint/2010/main" val="1751120584"/>
+        <p14:creationId xmlns:p14="http://schemas.microsoft.com/office/powerpoint/2010/main" val="1751120584"/>
       </p:ext>
     </p:extLst>
   </p:cSld>
@@ -5936,7 +5945,7 @@
   <a:extraClrSchemeLst/>
   <a:extLst>
     <a:ext uri="{05A4C25C-085E-4340-85A3-A5531E510DB2}">
-      <thm15:themeFamily xmlns="" xmlns:thm15="http://schemas.microsoft.com/office/thememl/2012/main" name="Office Theme" id="{62F939B6-93AF-4DB8-9C6B-D6C7DFDC589F}" vid="{4A3C46E8-61CC-4603-A589-7422A47A8E4A}"/>
+      <thm15:themeFamily xmlns:thm15="http://schemas.microsoft.com/office/thememl/2012/main" name="Office Theme" id="{62F939B6-93AF-4DB8-9C6B-D6C7DFDC589F}" vid="{4A3C46E8-61CC-4603-A589-7422A47A8E4A}"/>
     </a:ext>
   </a:extLst>
 </a:theme>
@@ -6197,7 +6206,7 @@
   <a:extraClrSchemeLst/>
   <a:extLst>
     <a:ext uri="{05A4C25C-085E-4340-85A3-A5531E510DB2}">
-      <thm15:themeFamily xmlns="" xmlns:thm15="http://schemas.microsoft.com/office/thememl/2012/main" name="Office Theme" id="{62F939B6-93AF-4DB8-9C6B-D6C7DFDC589F}" vid="{4A3C46E8-61CC-4603-A589-7422A47A8E4A}"/>
+      <thm15:themeFamily xmlns:thm15="http://schemas.microsoft.com/office/thememl/2012/main" name="Office Theme" id="{62F939B6-93AF-4DB8-9C6B-D6C7DFDC589F}" vid="{4A3C46E8-61CC-4603-A589-7422A47A8E4A}"/>
     </a:ext>
   </a:extLst>
 </a:theme>
@@ -6458,7 +6467,7 @@
   <a:extraClrSchemeLst/>
   <a:extLst>
     <a:ext uri="{05A4C25C-085E-4340-85A3-A5531E510DB2}">
-      <thm15:themeFamily xmlns="" xmlns:thm15="http://schemas.microsoft.com/office/thememl/2012/main" name="Office Theme" id="{62F939B6-93AF-4DB8-9C6B-D6C7DFDC589F}" vid="{4A3C46E8-61CC-4603-A589-7422A47A8E4A}"/>
+      <thm15:themeFamily xmlns:thm15="http://schemas.microsoft.com/office/thememl/2012/main" name="Office Theme" id="{62F939B6-93AF-4DB8-9C6B-D6C7DFDC589F}" vid="{4A3C46E8-61CC-4603-A589-7422A47A8E4A}"/>
     </a:ext>
   </a:extLst>
 </a:theme>
